--- a/Topic B Programming Skills/TicTacToe 3D Game.pptx
+++ b/Topic B Programming Skills/TicTacToe 3D Game.pptx
@@ -9,6 +9,10 @@
     <p:sldId id="257" r:id="rId3"/>
     <p:sldId id="258" r:id="rId4"/>
     <p:sldId id="259" r:id="rId5"/>
+    <p:sldId id="262" r:id="rId6"/>
+    <p:sldId id="260" r:id="rId7"/>
+    <p:sldId id="261" r:id="rId8"/>
+    <p:sldId id="263" r:id="rId9"/>
   </p:sldIdLst>
   <p:sldSz cx="12192000" cy="6858000"/>
   <p:notesSz cx="6858000" cy="9144000"/>
@@ -107,6 +111,11 @@
       </a:defRPr>
     </a:lvl9pPr>
   </p:defaultTextStyle>
+  <p:extLst>
+    <p:ext uri="{EFAFB233-063F-42B5-8137-9DF3F51BA10A}">
+      <p15:sldGuideLst xmlns:p15="http://schemas.microsoft.com/office/powerpoint/2012/main"/>
+    </p:ext>
+  </p:extLst>
 </p:presentation>
 </file>
 
@@ -241,7 +250,7 @@
           <a:p>
             <a:fld id="{67BEC307-62DE-427E-B167-9CE0A7D5BC6B}" type="datetimeFigureOut">
               <a:rPr lang="en-US" smtClean="0"/>
-              <a:t>10/30/2018</a:t>
+              <a:t>11/1/2018</a:t>
             </a:fld>
             <a:endParaRPr lang="en-US"/>
           </a:p>
@@ -411,7 +420,7 @@
           <a:p>
             <a:fld id="{67BEC307-62DE-427E-B167-9CE0A7D5BC6B}" type="datetimeFigureOut">
               <a:rPr lang="en-US" smtClean="0"/>
-              <a:t>10/30/2018</a:t>
+              <a:t>11/1/2018</a:t>
             </a:fld>
             <a:endParaRPr lang="en-US"/>
           </a:p>
@@ -591,7 +600,7 @@
           <a:p>
             <a:fld id="{67BEC307-62DE-427E-B167-9CE0A7D5BC6B}" type="datetimeFigureOut">
               <a:rPr lang="en-US" smtClean="0"/>
-              <a:t>10/30/2018</a:t>
+              <a:t>11/1/2018</a:t>
             </a:fld>
             <a:endParaRPr lang="en-US"/>
           </a:p>
@@ -761,7 +770,7 @@
           <a:p>
             <a:fld id="{67BEC307-62DE-427E-B167-9CE0A7D5BC6B}" type="datetimeFigureOut">
               <a:rPr lang="en-US" smtClean="0"/>
-              <a:t>10/30/2018</a:t>
+              <a:t>11/1/2018</a:t>
             </a:fld>
             <a:endParaRPr lang="en-US"/>
           </a:p>
@@ -1007,7 +1016,7 @@
           <a:p>
             <a:fld id="{67BEC307-62DE-427E-B167-9CE0A7D5BC6B}" type="datetimeFigureOut">
               <a:rPr lang="en-US" smtClean="0"/>
-              <a:t>10/30/2018</a:t>
+              <a:t>11/1/2018</a:t>
             </a:fld>
             <a:endParaRPr lang="en-US"/>
           </a:p>
@@ -1239,7 +1248,7 @@
           <a:p>
             <a:fld id="{67BEC307-62DE-427E-B167-9CE0A7D5BC6B}" type="datetimeFigureOut">
               <a:rPr lang="en-US" smtClean="0"/>
-              <a:t>10/30/2018</a:t>
+              <a:t>11/1/2018</a:t>
             </a:fld>
             <a:endParaRPr lang="en-US"/>
           </a:p>
@@ -1606,7 +1615,7 @@
           <a:p>
             <a:fld id="{67BEC307-62DE-427E-B167-9CE0A7D5BC6B}" type="datetimeFigureOut">
               <a:rPr lang="en-US" smtClean="0"/>
-              <a:t>10/30/2018</a:t>
+              <a:t>11/1/2018</a:t>
             </a:fld>
             <a:endParaRPr lang="en-US"/>
           </a:p>
@@ -1724,7 +1733,7 @@
           <a:p>
             <a:fld id="{67BEC307-62DE-427E-B167-9CE0A7D5BC6B}" type="datetimeFigureOut">
               <a:rPr lang="en-US" smtClean="0"/>
-              <a:t>10/30/2018</a:t>
+              <a:t>11/1/2018</a:t>
             </a:fld>
             <a:endParaRPr lang="en-US"/>
           </a:p>
@@ -1819,7 +1828,7 @@
           <a:p>
             <a:fld id="{67BEC307-62DE-427E-B167-9CE0A7D5BC6B}" type="datetimeFigureOut">
               <a:rPr lang="en-US" smtClean="0"/>
-              <a:t>10/30/2018</a:t>
+              <a:t>11/1/2018</a:t>
             </a:fld>
             <a:endParaRPr lang="en-US"/>
           </a:p>
@@ -2096,7 +2105,7 @@
           <a:p>
             <a:fld id="{67BEC307-62DE-427E-B167-9CE0A7D5BC6B}" type="datetimeFigureOut">
               <a:rPr lang="en-US" smtClean="0"/>
-              <a:t>10/30/2018</a:t>
+              <a:t>11/1/2018</a:t>
             </a:fld>
             <a:endParaRPr lang="en-US"/>
           </a:p>
@@ -2349,7 +2358,7 @@
           <a:p>
             <a:fld id="{67BEC307-62DE-427E-B167-9CE0A7D5BC6B}" type="datetimeFigureOut">
               <a:rPr lang="en-US" smtClean="0"/>
-              <a:t>10/30/2018</a:t>
+              <a:t>11/1/2018</a:t>
             </a:fld>
             <a:endParaRPr lang="en-US"/>
           </a:p>
@@ -2562,7 +2571,7 @@
           <a:p>
             <a:fld id="{67BEC307-62DE-427E-B167-9CE0A7D5BC6B}" type="datetimeFigureOut">
               <a:rPr lang="en-US" smtClean="0"/>
-              <a:t>10/30/2018</a:t>
+              <a:t>11/1/2018</a:t>
             </a:fld>
             <a:endParaRPr lang="en-US"/>
           </a:p>
@@ -3271,11 +3280,7 @@
             </a:r>
             <a:r>
               <a:rPr lang="en-CA" dirty="0" smtClean="0"/>
-              <a:t>(</a:t>
-            </a:r>
-            <a:r>
-              <a:rPr lang="en-CA" dirty="0" smtClean="0"/>
-              <a:t>(“</a:t>
+              <a:t>((“</a:t>
             </a:r>
             <a:r>
               <a:rPr lang="en-CA" dirty="0" err="1" smtClean="0"/>
@@ -3300,11 +3305,7 @@
             <a:pPr lvl="1"/>
             <a:r>
               <a:rPr lang="en-CA" dirty="0" smtClean="0"/>
-              <a:t>Daniel / Antonio </a:t>
-            </a:r>
-            <a:r>
-              <a:rPr lang="en-CA" dirty="0" smtClean="0"/>
-              <a:t>(See </a:t>
+              <a:t>Daniel / Antonio (See </a:t>
             </a:r>
             <a:r>
               <a:rPr lang="en-CA" dirty="0" err="1" smtClean="0"/>
@@ -3796,6 +3797,1425 @@
     <p:extLst>
       <p:ext uri="{BB962C8B-B14F-4D97-AF65-F5344CB8AC3E}">
         <p14:creationId xmlns:p14="http://schemas.microsoft.com/office/powerpoint/2010/main" val="1798315719"/>
+      </p:ext>
+    </p:extLst>
+  </p:cSld>
+  <p:clrMapOvr>
+    <a:masterClrMapping/>
+  </p:clrMapOvr>
+</p:sld>
+</file>
+
+<file path=ppt/slides/slide5.xml><?xml version="1.0" encoding="utf-8"?>
+<p:sld xmlns:a="http://schemas.openxmlformats.org/drawingml/2006/main" xmlns:r="http://schemas.openxmlformats.org/officeDocument/2006/relationships" xmlns:p="http://schemas.openxmlformats.org/presentationml/2006/main">
+  <p:cSld>
+    <p:spTree>
+      <p:nvGrpSpPr>
+        <p:cNvPr id="1" name=""/>
+        <p:cNvGrpSpPr/>
+        <p:nvPr/>
+      </p:nvGrpSpPr>
+      <p:grpSpPr>
+        <a:xfrm>
+          <a:off x="0" y="0"/>
+          <a:ext cx="0" cy="0"/>
+          <a:chOff x="0" y="0"/>
+          <a:chExt cx="0" cy="0"/>
+        </a:xfrm>
+      </p:grpSpPr>
+      <p:sp>
+        <p:nvSpPr>
+          <p:cNvPr id="2" name="Title 1"/>
+          <p:cNvSpPr>
+            <a:spLocks noGrp="1"/>
+          </p:cNvSpPr>
+          <p:nvPr>
+            <p:ph type="title"/>
+          </p:nvPr>
+        </p:nvSpPr>
+        <p:spPr/>
+        <p:txBody>
+          <a:bodyPr/>
+          <a:lstStyle/>
+          <a:p>
+            <a:endParaRPr lang="en-US"/>
+          </a:p>
+        </p:txBody>
+      </p:sp>
+      <p:sp>
+        <p:nvSpPr>
+          <p:cNvPr id="3" name="Content Placeholder 2"/>
+          <p:cNvSpPr>
+            <a:spLocks noGrp="1"/>
+          </p:cNvSpPr>
+          <p:nvPr>
+            <p:ph idx="1"/>
+          </p:nvPr>
+        </p:nvSpPr>
+        <p:spPr/>
+        <p:txBody>
+          <a:bodyPr/>
+          <a:lstStyle/>
+          <a:p>
+            <a:endParaRPr lang="en-US"/>
+          </a:p>
+        </p:txBody>
+      </p:sp>
+    </p:spTree>
+    <p:extLst>
+      <p:ext uri="{BB962C8B-B14F-4D97-AF65-F5344CB8AC3E}">
+        <p14:creationId xmlns:p14="http://schemas.microsoft.com/office/powerpoint/2010/main" val="2064904050"/>
+      </p:ext>
+    </p:extLst>
+  </p:cSld>
+  <p:clrMapOvr>
+    <a:masterClrMapping/>
+  </p:clrMapOvr>
+</p:sld>
+</file>
+
+<file path=ppt/slides/slide6.xml><?xml version="1.0" encoding="utf-8"?>
+<p:sld xmlns:a="http://schemas.openxmlformats.org/drawingml/2006/main" xmlns:r="http://schemas.openxmlformats.org/officeDocument/2006/relationships" xmlns:p="http://schemas.openxmlformats.org/presentationml/2006/main">
+  <p:cSld>
+    <p:spTree>
+      <p:nvGrpSpPr>
+        <p:cNvPr id="1" name=""/>
+        <p:cNvGrpSpPr/>
+        <p:nvPr/>
+      </p:nvGrpSpPr>
+      <p:grpSpPr>
+        <a:xfrm>
+          <a:off x="0" y="0"/>
+          <a:ext cx="0" cy="0"/>
+          <a:chOff x="0" y="0"/>
+          <a:chExt cx="0" cy="0"/>
+        </a:xfrm>
+      </p:grpSpPr>
+      <p:sp>
+        <p:nvSpPr>
+          <p:cNvPr id="2" name="Title 1"/>
+          <p:cNvSpPr>
+            <a:spLocks noGrp="1"/>
+          </p:cNvSpPr>
+          <p:nvPr>
+            <p:ph type="title"/>
+          </p:nvPr>
+        </p:nvSpPr>
+        <p:spPr/>
+        <p:txBody>
+          <a:bodyPr/>
+          <a:lstStyle/>
+          <a:p>
+            <a:r>
+              <a:rPr lang="en-CA" dirty="0"/>
+              <a:t>Class </a:t>
+            </a:r>
+            <a:r>
+              <a:rPr lang="en-CA" dirty="0" err="1"/>
+              <a:t>GameBoard</a:t>
+            </a:r>
+            <a:endParaRPr lang="en-US" dirty="0"/>
+          </a:p>
+        </p:txBody>
+      </p:sp>
+      <p:sp>
+        <p:nvSpPr>
+          <p:cNvPr id="3" name="Content Placeholder 2"/>
+          <p:cNvSpPr>
+            <a:spLocks noGrp="1"/>
+          </p:cNvSpPr>
+          <p:nvPr>
+            <p:ph idx="1"/>
+          </p:nvPr>
+        </p:nvSpPr>
+        <p:spPr/>
+        <p:txBody>
+          <a:bodyPr>
+            <a:normAutofit/>
+          </a:bodyPr>
+          <a:lstStyle/>
+          <a:p>
+            <a:r>
+              <a:rPr lang="en-CA" dirty="0" smtClean="0"/>
+              <a:t>Public static String </a:t>
+            </a:r>
+            <a:r>
+              <a:rPr lang="en-CA" dirty="0" err="1" smtClean="0"/>
+              <a:t>playerFree</a:t>
+            </a:r>
+            <a:r>
+              <a:rPr lang="en-CA" dirty="0" smtClean="0"/>
+              <a:t> = “ “;</a:t>
+            </a:r>
+          </a:p>
+          <a:p>
+            <a:r>
+              <a:rPr lang="en-CA" dirty="0"/>
+              <a:t>Public static String </a:t>
+            </a:r>
+            <a:r>
+              <a:rPr lang="en-CA" dirty="0" err="1" smtClean="0"/>
+              <a:t>playerX</a:t>
+            </a:r>
+            <a:r>
+              <a:rPr lang="en-CA" dirty="0" smtClean="0"/>
+              <a:t> </a:t>
+            </a:r>
+            <a:r>
+              <a:rPr lang="en-CA" dirty="0"/>
+              <a:t>= </a:t>
+            </a:r>
+            <a:r>
+              <a:rPr lang="en-CA" dirty="0" smtClean="0"/>
+              <a:t>“X“;</a:t>
+            </a:r>
+          </a:p>
+          <a:p>
+            <a:r>
+              <a:rPr lang="en-CA" dirty="0"/>
+              <a:t>Public static String </a:t>
+            </a:r>
+            <a:r>
+              <a:rPr lang="en-CA" dirty="0" err="1" smtClean="0"/>
+              <a:t>playerO</a:t>
+            </a:r>
+            <a:r>
+              <a:rPr lang="en-CA" dirty="0" smtClean="0"/>
+              <a:t> </a:t>
+            </a:r>
+            <a:r>
+              <a:rPr lang="en-CA" dirty="0"/>
+              <a:t>= </a:t>
+            </a:r>
+            <a:r>
+              <a:rPr lang="en-CA" dirty="0" smtClean="0"/>
+              <a:t>“0“;</a:t>
+            </a:r>
+            <a:endParaRPr lang="en-CA" dirty="0"/>
+          </a:p>
+          <a:p>
+            <a:endParaRPr lang="en-CA" dirty="0" smtClean="0"/>
+          </a:p>
+          <a:p>
+            <a:r>
+              <a:rPr lang="en-CA" dirty="0" smtClean="0"/>
+              <a:t>Private String[] </a:t>
+            </a:r>
+            <a:r>
+              <a:rPr lang="en-CA" dirty="0" err="1" smtClean="0"/>
+              <a:t>gameBoard</a:t>
+            </a:r>
+            <a:r>
+              <a:rPr lang="en-CA" dirty="0" smtClean="0"/>
+              <a:t> = new String[36];</a:t>
+            </a:r>
+          </a:p>
+          <a:p>
+            <a:endParaRPr lang="en-CA" dirty="0"/>
+          </a:p>
+          <a:p>
+            <a:pPr lvl="0"/>
+            <a:r>
+              <a:rPr lang="en-CA" altLang="en-US" dirty="0"/>
+              <a:t>f</a:t>
+            </a:r>
+            <a:r>
+              <a:rPr lang="en-US" altLang="en-US" dirty="0" smtClean="0">
+                <a:solidFill>
+                  <a:srgbClr val="000088"/>
+                </a:solidFill>
+                <a:latin typeface="Menlo"/>
+              </a:rPr>
+              <a:t>or</a:t>
+            </a:r>
+            <a:r>
+              <a:rPr lang="en-US" altLang="en-US" dirty="0">
+                <a:solidFill>
+                  <a:srgbClr val="666600"/>
+                </a:solidFill>
+                <a:latin typeface="Menlo"/>
+              </a:rPr>
+              <a:t>(</a:t>
+            </a:r>
+            <a:r>
+              <a:rPr lang="en-US" altLang="en-US" dirty="0">
+                <a:solidFill>
+                  <a:srgbClr val="000000"/>
+                </a:solidFill>
+                <a:latin typeface="Menlo"/>
+              </a:rPr>
+              <a:t> </a:t>
+            </a:r>
+            <a:r>
+              <a:rPr lang="en-US" altLang="en-US" dirty="0" err="1">
+                <a:solidFill>
+                  <a:srgbClr val="000088"/>
+                </a:solidFill>
+                <a:latin typeface="Menlo"/>
+              </a:rPr>
+              <a:t>int</a:t>
+            </a:r>
+            <a:r>
+              <a:rPr lang="en-US" altLang="en-US" dirty="0">
+                <a:solidFill>
+                  <a:srgbClr val="000000"/>
+                </a:solidFill>
+                <a:latin typeface="Menlo"/>
+              </a:rPr>
+              <a:t> </a:t>
+            </a:r>
+            <a:r>
+              <a:rPr lang="en-US" altLang="en-US" dirty="0" err="1">
+                <a:solidFill>
+                  <a:srgbClr val="000000"/>
+                </a:solidFill>
+                <a:latin typeface="Menlo"/>
+              </a:rPr>
+              <a:t>i</a:t>
+            </a:r>
+            <a:r>
+              <a:rPr lang="en-US" altLang="en-US" dirty="0">
+                <a:solidFill>
+                  <a:srgbClr val="000000"/>
+                </a:solidFill>
+                <a:latin typeface="Menlo"/>
+              </a:rPr>
+              <a:t> </a:t>
+            </a:r>
+            <a:r>
+              <a:rPr lang="en-US" altLang="en-US" dirty="0">
+                <a:solidFill>
+                  <a:srgbClr val="666600"/>
+                </a:solidFill>
+                <a:latin typeface="Menlo"/>
+              </a:rPr>
+              <a:t>=</a:t>
+            </a:r>
+            <a:r>
+              <a:rPr lang="en-US" altLang="en-US" dirty="0">
+                <a:solidFill>
+                  <a:srgbClr val="000000"/>
+                </a:solidFill>
+                <a:latin typeface="Menlo"/>
+              </a:rPr>
+              <a:t> </a:t>
+            </a:r>
+            <a:r>
+              <a:rPr lang="en-US" altLang="en-US" dirty="0">
+                <a:solidFill>
+                  <a:srgbClr val="006666"/>
+                </a:solidFill>
+                <a:latin typeface="Menlo"/>
+              </a:rPr>
+              <a:t>0</a:t>
+            </a:r>
+            <a:r>
+              <a:rPr lang="en-US" altLang="en-US" dirty="0">
+                <a:solidFill>
+                  <a:srgbClr val="666600"/>
+                </a:solidFill>
+                <a:latin typeface="Menlo"/>
+              </a:rPr>
+              <a:t>;</a:t>
+            </a:r>
+            <a:r>
+              <a:rPr lang="en-US" altLang="en-US" dirty="0">
+                <a:solidFill>
+                  <a:srgbClr val="000000"/>
+                </a:solidFill>
+                <a:latin typeface="Menlo"/>
+              </a:rPr>
+              <a:t> </a:t>
+            </a:r>
+            <a:r>
+              <a:rPr lang="en-US" altLang="en-US" dirty="0" err="1">
+                <a:solidFill>
+                  <a:srgbClr val="000000"/>
+                </a:solidFill>
+                <a:latin typeface="Menlo"/>
+              </a:rPr>
+              <a:t>i</a:t>
+            </a:r>
+            <a:r>
+              <a:rPr lang="en-US" altLang="en-US" dirty="0">
+                <a:solidFill>
+                  <a:srgbClr val="000000"/>
+                </a:solidFill>
+                <a:latin typeface="Menlo"/>
+              </a:rPr>
+              <a:t> </a:t>
+            </a:r>
+            <a:r>
+              <a:rPr lang="en-US" altLang="en-US" dirty="0">
+                <a:solidFill>
+                  <a:srgbClr val="666600"/>
+                </a:solidFill>
+                <a:latin typeface="Menlo"/>
+              </a:rPr>
+              <a:t>&lt;</a:t>
+            </a:r>
+            <a:r>
+              <a:rPr lang="en-US" altLang="en-US" dirty="0">
+                <a:solidFill>
+                  <a:srgbClr val="000000"/>
+                </a:solidFill>
+                <a:latin typeface="Menlo"/>
+              </a:rPr>
+              <a:t> </a:t>
+            </a:r>
+            <a:r>
+              <a:rPr lang="en-US" altLang="en-US" dirty="0" err="1">
+                <a:solidFill>
+                  <a:srgbClr val="000000"/>
+                </a:solidFill>
+                <a:latin typeface="Menlo"/>
+              </a:rPr>
+              <a:t>thisIsAStringArray</a:t>
+            </a:r>
+            <a:r>
+              <a:rPr lang="en-US" altLang="en-US" dirty="0" err="1">
+                <a:solidFill>
+                  <a:srgbClr val="666600"/>
+                </a:solidFill>
+                <a:latin typeface="Menlo"/>
+              </a:rPr>
+              <a:t>.</a:t>
+            </a:r>
+            <a:r>
+              <a:rPr lang="en-US" altLang="en-US" dirty="0" err="1">
+                <a:solidFill>
+                  <a:srgbClr val="000000"/>
+                </a:solidFill>
+                <a:latin typeface="Menlo"/>
+              </a:rPr>
+              <a:t>length</a:t>
+            </a:r>
+            <a:r>
+              <a:rPr lang="en-US" altLang="en-US" dirty="0">
+                <a:solidFill>
+                  <a:srgbClr val="666600"/>
+                </a:solidFill>
+                <a:latin typeface="Menlo"/>
+              </a:rPr>
+              <a:t>;</a:t>
+            </a:r>
+            <a:r>
+              <a:rPr lang="en-US" altLang="en-US" dirty="0">
+                <a:solidFill>
+                  <a:srgbClr val="000000"/>
+                </a:solidFill>
+                <a:latin typeface="Menlo"/>
+              </a:rPr>
+              <a:t> </a:t>
+            </a:r>
+            <a:r>
+              <a:rPr lang="en-US" altLang="en-US" dirty="0" err="1">
+                <a:solidFill>
+                  <a:srgbClr val="000000"/>
+                </a:solidFill>
+                <a:latin typeface="Menlo"/>
+              </a:rPr>
+              <a:t>i</a:t>
+            </a:r>
+            <a:r>
+              <a:rPr lang="en-US" altLang="en-US" dirty="0" smtClean="0">
+                <a:solidFill>
+                  <a:srgbClr val="666600"/>
+                </a:solidFill>
+                <a:latin typeface="Menlo"/>
+              </a:rPr>
+              <a:t>++)</a:t>
+            </a:r>
+          </a:p>
+          <a:p>
+            <a:pPr lvl="1"/>
+            <a:r>
+              <a:rPr lang="en-US" altLang="en-US" dirty="0" err="1" smtClean="0">
+                <a:solidFill>
+                  <a:srgbClr val="666600"/>
+                </a:solidFill>
+                <a:latin typeface="Menlo"/>
+              </a:rPr>
+              <a:t>gameBoard</a:t>
+            </a:r>
+            <a:r>
+              <a:rPr lang="en-US" altLang="en-US" dirty="0" smtClean="0">
+                <a:solidFill>
+                  <a:srgbClr val="666600"/>
+                </a:solidFill>
+                <a:latin typeface="Menlo"/>
+              </a:rPr>
+              <a:t>[</a:t>
+            </a:r>
+            <a:r>
+              <a:rPr lang="en-US" altLang="en-US" dirty="0" err="1" smtClean="0">
+                <a:solidFill>
+                  <a:srgbClr val="666600"/>
+                </a:solidFill>
+                <a:latin typeface="Menlo"/>
+              </a:rPr>
+              <a:t>i</a:t>
+            </a:r>
+            <a:r>
+              <a:rPr lang="en-US" altLang="en-US" dirty="0" smtClean="0">
+                <a:solidFill>
+                  <a:srgbClr val="666600"/>
+                </a:solidFill>
+                <a:latin typeface="Menlo"/>
+              </a:rPr>
+              <a:t>] = </a:t>
+            </a:r>
+            <a:r>
+              <a:rPr lang="en-US" altLang="en-US" dirty="0" err="1" smtClean="0">
+                <a:solidFill>
+                  <a:srgbClr val="666600"/>
+                </a:solidFill>
+                <a:latin typeface="Menlo"/>
+              </a:rPr>
+              <a:t>playerFree</a:t>
+            </a:r>
+            <a:r>
+              <a:rPr lang="en-US" altLang="en-US" dirty="0" smtClean="0">
+                <a:solidFill>
+                  <a:srgbClr val="666600"/>
+                </a:solidFill>
+                <a:latin typeface="Menlo"/>
+              </a:rPr>
+              <a:t>;</a:t>
+            </a:r>
+            <a:r>
+              <a:rPr lang="en-US" altLang="en-US" dirty="0" smtClean="0"/>
+              <a:t> </a:t>
+            </a:r>
+            <a:endParaRPr lang="en-US" altLang="en-US" sz="5600" dirty="0">
+              <a:latin typeface="Arial" panose="020B0604020202020204" pitchFamily="34" charset="0"/>
+            </a:endParaRPr>
+          </a:p>
+          <a:p>
+            <a:endParaRPr lang="en-CA" dirty="0"/>
+          </a:p>
+        </p:txBody>
+      </p:sp>
+    </p:spTree>
+    <p:extLst>
+      <p:ext uri="{BB962C8B-B14F-4D97-AF65-F5344CB8AC3E}">
+        <p14:creationId xmlns:p14="http://schemas.microsoft.com/office/powerpoint/2010/main" val="3435988604"/>
+      </p:ext>
+    </p:extLst>
+  </p:cSld>
+  <p:clrMapOvr>
+    <a:masterClrMapping/>
+  </p:clrMapOvr>
+</p:sld>
+</file>
+
+<file path=ppt/slides/slide7.xml><?xml version="1.0" encoding="utf-8"?>
+<p:sld xmlns:a="http://schemas.openxmlformats.org/drawingml/2006/main" xmlns:r="http://schemas.openxmlformats.org/officeDocument/2006/relationships" xmlns:p="http://schemas.openxmlformats.org/presentationml/2006/main">
+  <p:cSld>
+    <p:spTree>
+      <p:nvGrpSpPr>
+        <p:cNvPr id="1" name=""/>
+        <p:cNvGrpSpPr/>
+        <p:nvPr/>
+      </p:nvGrpSpPr>
+      <p:grpSpPr>
+        <a:xfrm>
+          <a:off x="0" y="0"/>
+          <a:ext cx="0" cy="0"/>
+          <a:chOff x="0" y="0"/>
+          <a:chExt cx="0" cy="0"/>
+        </a:xfrm>
+      </p:grpSpPr>
+      <p:sp>
+        <p:nvSpPr>
+          <p:cNvPr id="2" name="Title 1"/>
+          <p:cNvSpPr>
+            <a:spLocks noGrp="1"/>
+          </p:cNvSpPr>
+          <p:nvPr>
+            <p:ph type="title"/>
+          </p:nvPr>
+        </p:nvSpPr>
+        <p:spPr/>
+        <p:txBody>
+          <a:bodyPr/>
+          <a:lstStyle/>
+          <a:p>
+            <a:r>
+              <a:rPr lang="en-CA" dirty="0"/>
+              <a:t>Class </a:t>
+            </a:r>
+            <a:r>
+              <a:rPr lang="en-CA" dirty="0" err="1"/>
+              <a:t>GameBoard</a:t>
+            </a:r>
+            <a:endParaRPr lang="en-US" dirty="0"/>
+          </a:p>
+        </p:txBody>
+      </p:sp>
+      <p:sp>
+        <p:nvSpPr>
+          <p:cNvPr id="3" name="Content Placeholder 2"/>
+          <p:cNvSpPr>
+            <a:spLocks noGrp="1"/>
+          </p:cNvSpPr>
+          <p:nvPr>
+            <p:ph idx="1"/>
+          </p:nvPr>
+        </p:nvSpPr>
+        <p:spPr/>
+        <p:txBody>
+          <a:bodyPr>
+            <a:normAutofit fontScale="40000" lnSpcReduction="20000"/>
+          </a:bodyPr>
+          <a:lstStyle/>
+          <a:p>
+            <a:r>
+              <a:rPr lang="en-CA" dirty="0" smtClean="0"/>
+              <a:t>Private </a:t>
+            </a:r>
+            <a:r>
+              <a:rPr lang="en-CA" dirty="0" err="1" smtClean="0"/>
+              <a:t>int</a:t>
+            </a:r>
+            <a:r>
+              <a:rPr lang="en-CA" dirty="0" smtClean="0"/>
+              <a:t> </a:t>
+            </a:r>
+            <a:r>
+              <a:rPr lang="en-CA" dirty="0" err="1" smtClean="0"/>
+              <a:t>mapFromCoords</a:t>
+            </a:r>
+            <a:r>
+              <a:rPr lang="en-CA" dirty="0" smtClean="0"/>
+              <a:t>(</a:t>
+            </a:r>
+            <a:r>
+              <a:rPr lang="en-CA" dirty="0" err="1" smtClean="0"/>
+              <a:t>int</a:t>
+            </a:r>
+            <a:r>
+              <a:rPr lang="en-CA" dirty="0" smtClean="0"/>
+              <a:t> </a:t>
+            </a:r>
+            <a:r>
+              <a:rPr lang="en-CA" dirty="0" err="1" smtClean="0"/>
+              <a:t>lvl</a:t>
+            </a:r>
+            <a:r>
+              <a:rPr lang="en-CA" dirty="0" smtClean="0"/>
+              <a:t>, </a:t>
+            </a:r>
+            <a:r>
+              <a:rPr lang="en-CA" dirty="0" err="1" smtClean="0"/>
+              <a:t>int</a:t>
+            </a:r>
+            <a:r>
+              <a:rPr lang="en-CA" dirty="0" smtClean="0"/>
+              <a:t> row, </a:t>
+            </a:r>
+            <a:r>
+              <a:rPr lang="en-CA" dirty="0" err="1" smtClean="0"/>
+              <a:t>int</a:t>
+            </a:r>
+            <a:r>
+              <a:rPr lang="en-CA" dirty="0" smtClean="0"/>
+              <a:t> col) {</a:t>
+            </a:r>
+          </a:p>
+          <a:p>
+            <a:pPr lvl="1"/>
+            <a:r>
+              <a:rPr lang="en-CA" dirty="0" err="1" smtClean="0"/>
+              <a:t>Int</a:t>
+            </a:r>
+            <a:r>
+              <a:rPr lang="en-CA" dirty="0" smtClean="0"/>
+              <a:t> map = (</a:t>
+            </a:r>
+            <a:r>
+              <a:rPr lang="en-CA" dirty="0" err="1" smtClean="0"/>
+              <a:t>lvl</a:t>
+            </a:r>
+            <a:r>
+              <a:rPr lang="en-CA" dirty="0" smtClean="0"/>
+              <a:t> -1) * 9;  // 1:0 to 8, 2: 9 to 17, 3: 18 to 36</a:t>
+            </a:r>
+          </a:p>
+          <a:p>
+            <a:pPr lvl="1"/>
+            <a:r>
+              <a:rPr lang="en-CA" dirty="0" smtClean="0"/>
+              <a:t>map = map + (row – 1) * 3;  </a:t>
+            </a:r>
+          </a:p>
+          <a:p>
+            <a:pPr lvl="1"/>
+            <a:r>
+              <a:rPr lang="en-CA" dirty="0" smtClean="0"/>
+              <a:t>Map = map + (col -1);</a:t>
+            </a:r>
+          </a:p>
+          <a:p>
+            <a:pPr lvl="1"/>
+            <a:r>
+              <a:rPr lang="en-CA" dirty="0" smtClean="0"/>
+              <a:t>Return map;</a:t>
+            </a:r>
+          </a:p>
+          <a:p>
+            <a:r>
+              <a:rPr lang="en-CA" dirty="0" smtClean="0"/>
+              <a:t>}</a:t>
+            </a:r>
+          </a:p>
+          <a:p>
+            <a:r>
+              <a:rPr lang="en-CA" dirty="0" smtClean="0"/>
+              <a:t>Private </a:t>
+            </a:r>
+            <a:r>
+              <a:rPr lang="en-CA" dirty="0" err="1" smtClean="0"/>
+              <a:t>int</a:t>
+            </a:r>
+            <a:r>
+              <a:rPr lang="en-CA" dirty="0" smtClean="0"/>
+              <a:t> </a:t>
+            </a:r>
+            <a:r>
+              <a:rPr lang="en-CA" dirty="0" err="1" smtClean="0"/>
+              <a:t>levelFromMap</a:t>
+            </a:r>
+            <a:r>
+              <a:rPr lang="en-CA" dirty="0" smtClean="0"/>
+              <a:t>(</a:t>
+            </a:r>
+            <a:r>
+              <a:rPr lang="en-CA" dirty="0" err="1" smtClean="0"/>
+              <a:t>int</a:t>
+            </a:r>
+            <a:r>
+              <a:rPr lang="en-CA" dirty="0" smtClean="0"/>
+              <a:t> map) {</a:t>
+            </a:r>
+          </a:p>
+          <a:p>
+            <a:pPr lvl="1"/>
+            <a:r>
+              <a:rPr lang="en-CA" dirty="0" err="1" smtClean="0"/>
+              <a:t>Int</a:t>
+            </a:r>
+            <a:r>
+              <a:rPr lang="en-CA" dirty="0" smtClean="0"/>
+              <a:t> level = round(map / 9);</a:t>
+            </a:r>
+          </a:p>
+          <a:p>
+            <a:pPr lvl="1"/>
+            <a:r>
+              <a:rPr lang="en-CA" dirty="0" smtClean="0"/>
+              <a:t>Return level + 1;</a:t>
+            </a:r>
+          </a:p>
+          <a:p>
+            <a:r>
+              <a:rPr lang="en-CA" dirty="0" smtClean="0"/>
+              <a:t>}</a:t>
+            </a:r>
+          </a:p>
+          <a:p>
+            <a:r>
+              <a:rPr lang="en-CA" dirty="0" smtClean="0"/>
+              <a:t>Private </a:t>
+            </a:r>
+            <a:r>
+              <a:rPr lang="en-CA" dirty="0" err="1" smtClean="0"/>
+              <a:t>int</a:t>
+            </a:r>
+            <a:r>
+              <a:rPr lang="en-CA" dirty="0" smtClean="0"/>
+              <a:t> </a:t>
+            </a:r>
+            <a:r>
+              <a:rPr lang="en-CA" dirty="0" err="1" smtClean="0"/>
+              <a:t>rowFromMap</a:t>
+            </a:r>
+            <a:r>
+              <a:rPr lang="en-CA" dirty="0" smtClean="0"/>
+              <a:t>(</a:t>
+            </a:r>
+            <a:r>
+              <a:rPr lang="en-CA" dirty="0" err="1" smtClean="0"/>
+              <a:t>int</a:t>
+            </a:r>
+            <a:r>
+              <a:rPr lang="en-CA" dirty="0" smtClean="0"/>
+              <a:t> map) {</a:t>
+            </a:r>
+          </a:p>
+          <a:p>
+            <a:pPr lvl="1"/>
+            <a:r>
+              <a:rPr lang="en-CA" dirty="0" err="1" smtClean="0"/>
+              <a:t>Int</a:t>
+            </a:r>
+            <a:r>
+              <a:rPr lang="en-CA" dirty="0" smtClean="0"/>
+              <a:t> </a:t>
+            </a:r>
+            <a:r>
+              <a:rPr lang="en-CA" dirty="0" err="1" smtClean="0"/>
+              <a:t>subMap</a:t>
+            </a:r>
+            <a:r>
+              <a:rPr lang="en-CA" dirty="0" smtClean="0"/>
+              <a:t> = map % 9;</a:t>
+            </a:r>
+          </a:p>
+          <a:p>
+            <a:pPr lvl="1"/>
+            <a:r>
+              <a:rPr lang="en-CA" dirty="0" err="1" smtClean="0"/>
+              <a:t>Int</a:t>
+            </a:r>
+            <a:r>
+              <a:rPr lang="en-CA" dirty="0" smtClean="0"/>
+              <a:t> row = round(</a:t>
+            </a:r>
+            <a:r>
+              <a:rPr lang="en-CA" dirty="0" err="1" smtClean="0"/>
+              <a:t>subMap</a:t>
+            </a:r>
+            <a:r>
+              <a:rPr lang="en-CA" dirty="0" smtClean="0"/>
+              <a:t> / 3)</a:t>
+            </a:r>
+          </a:p>
+          <a:p>
+            <a:pPr lvl="1"/>
+            <a:r>
+              <a:rPr lang="en-CA" dirty="0" smtClean="0"/>
+              <a:t>Return row + 1;</a:t>
+            </a:r>
+          </a:p>
+          <a:p>
+            <a:r>
+              <a:rPr lang="en-CA" dirty="0" smtClean="0"/>
+              <a:t>}</a:t>
+            </a:r>
+          </a:p>
+          <a:p>
+            <a:r>
+              <a:rPr lang="en-CA" dirty="0"/>
+              <a:t>Private </a:t>
+            </a:r>
+            <a:r>
+              <a:rPr lang="en-CA" dirty="0" err="1"/>
+              <a:t>int</a:t>
+            </a:r>
+            <a:r>
+              <a:rPr lang="en-CA" dirty="0"/>
+              <a:t> </a:t>
+            </a:r>
+            <a:r>
+              <a:rPr lang="en-CA" dirty="0" err="1" smtClean="0"/>
+              <a:t>colFromMap</a:t>
+            </a:r>
+            <a:r>
+              <a:rPr lang="en-CA" dirty="0" smtClean="0"/>
+              <a:t>(</a:t>
+            </a:r>
+            <a:r>
+              <a:rPr lang="en-CA" dirty="0" err="1" smtClean="0"/>
+              <a:t>int</a:t>
+            </a:r>
+            <a:r>
+              <a:rPr lang="en-CA" dirty="0" smtClean="0"/>
+              <a:t> </a:t>
+            </a:r>
+            <a:r>
+              <a:rPr lang="en-CA" dirty="0"/>
+              <a:t>map) {</a:t>
+            </a:r>
+          </a:p>
+          <a:p>
+            <a:pPr lvl="1"/>
+            <a:r>
+              <a:rPr lang="en-CA" dirty="0" err="1"/>
+              <a:t>Int</a:t>
+            </a:r>
+            <a:r>
+              <a:rPr lang="en-CA" dirty="0"/>
+              <a:t> </a:t>
+            </a:r>
+            <a:r>
+              <a:rPr lang="en-CA" dirty="0" err="1"/>
+              <a:t>subMap</a:t>
+            </a:r>
+            <a:r>
+              <a:rPr lang="en-CA" dirty="0"/>
+              <a:t> = map % 9</a:t>
+            </a:r>
+            <a:r>
+              <a:rPr lang="en-CA" dirty="0" smtClean="0"/>
+              <a:t>;</a:t>
+            </a:r>
+          </a:p>
+          <a:p>
+            <a:pPr lvl="1"/>
+            <a:r>
+              <a:rPr lang="en-CA" dirty="0" err="1" smtClean="0"/>
+              <a:t>subMap</a:t>
+            </a:r>
+            <a:r>
+              <a:rPr lang="en-CA" dirty="0" smtClean="0"/>
+              <a:t> = </a:t>
+            </a:r>
+            <a:r>
+              <a:rPr lang="en-CA" dirty="0" err="1" smtClean="0"/>
+              <a:t>subMap</a:t>
+            </a:r>
+            <a:r>
+              <a:rPr lang="en-CA" dirty="0" smtClean="0"/>
+              <a:t> % 3</a:t>
+            </a:r>
+            <a:endParaRPr lang="en-CA" dirty="0"/>
+          </a:p>
+          <a:p>
+            <a:pPr lvl="1"/>
+            <a:r>
+              <a:rPr lang="en-CA" dirty="0" err="1"/>
+              <a:t>Int</a:t>
+            </a:r>
+            <a:r>
+              <a:rPr lang="en-CA" dirty="0"/>
+              <a:t> </a:t>
+            </a:r>
+            <a:r>
+              <a:rPr lang="en-CA" dirty="0" smtClean="0"/>
+              <a:t>col </a:t>
+            </a:r>
+            <a:r>
+              <a:rPr lang="en-CA" dirty="0"/>
+              <a:t>= round(</a:t>
+            </a:r>
+            <a:r>
+              <a:rPr lang="en-CA" dirty="0" err="1"/>
+              <a:t>subMap</a:t>
+            </a:r>
+            <a:r>
+              <a:rPr lang="en-CA" dirty="0"/>
+              <a:t> / 3)</a:t>
+            </a:r>
+          </a:p>
+          <a:p>
+            <a:pPr lvl="1"/>
+            <a:r>
+              <a:rPr lang="en-CA" dirty="0" smtClean="0"/>
+              <a:t>Return col+ </a:t>
+            </a:r>
+            <a:r>
+              <a:rPr lang="en-CA" dirty="0"/>
+              <a:t>1;</a:t>
+            </a:r>
+          </a:p>
+          <a:p>
+            <a:r>
+              <a:rPr lang="en-CA" dirty="0"/>
+              <a:t>}</a:t>
+            </a:r>
+          </a:p>
+          <a:p>
+            <a:endParaRPr lang="en-CA" dirty="0" smtClean="0"/>
+          </a:p>
+          <a:p>
+            <a:endParaRPr lang="en-US" dirty="0"/>
+          </a:p>
+        </p:txBody>
+      </p:sp>
+    </p:spTree>
+    <p:extLst>
+      <p:ext uri="{BB962C8B-B14F-4D97-AF65-F5344CB8AC3E}">
+        <p14:creationId xmlns:p14="http://schemas.microsoft.com/office/powerpoint/2010/main" val="1286823600"/>
+      </p:ext>
+    </p:extLst>
+  </p:cSld>
+  <p:clrMapOvr>
+    <a:masterClrMapping/>
+  </p:clrMapOvr>
+</p:sld>
+</file>
+
+<file path=ppt/slides/slide8.xml><?xml version="1.0" encoding="utf-8"?>
+<p:sld xmlns:a="http://schemas.openxmlformats.org/drawingml/2006/main" xmlns:r="http://schemas.openxmlformats.org/officeDocument/2006/relationships" xmlns:p="http://schemas.openxmlformats.org/presentationml/2006/main">
+  <p:cSld>
+    <p:spTree>
+      <p:nvGrpSpPr>
+        <p:cNvPr id="1" name=""/>
+        <p:cNvGrpSpPr/>
+        <p:nvPr/>
+      </p:nvGrpSpPr>
+      <p:grpSpPr>
+        <a:xfrm>
+          <a:off x="0" y="0"/>
+          <a:ext cx="0" cy="0"/>
+          <a:chOff x="0" y="0"/>
+          <a:chExt cx="0" cy="0"/>
+        </a:xfrm>
+      </p:grpSpPr>
+      <p:sp>
+        <p:nvSpPr>
+          <p:cNvPr id="2" name="Title 1"/>
+          <p:cNvSpPr>
+            <a:spLocks noGrp="1"/>
+          </p:cNvSpPr>
+          <p:nvPr>
+            <p:ph type="title"/>
+          </p:nvPr>
+        </p:nvSpPr>
+        <p:spPr/>
+        <p:txBody>
+          <a:bodyPr/>
+          <a:lstStyle/>
+          <a:p>
+            <a:r>
+              <a:rPr lang="en-CA" dirty="0"/>
+              <a:t>Class </a:t>
+            </a:r>
+            <a:r>
+              <a:rPr lang="en-CA" dirty="0" err="1"/>
+              <a:t>GameBoard</a:t>
+            </a:r>
+            <a:endParaRPr lang="en-US" dirty="0"/>
+          </a:p>
+        </p:txBody>
+      </p:sp>
+      <p:sp>
+        <p:nvSpPr>
+          <p:cNvPr id="3" name="Content Placeholder 2"/>
+          <p:cNvSpPr>
+            <a:spLocks noGrp="1"/>
+          </p:cNvSpPr>
+          <p:nvPr>
+            <p:ph idx="1"/>
+          </p:nvPr>
+        </p:nvSpPr>
+        <p:spPr/>
+        <p:txBody>
+          <a:bodyPr>
+            <a:normAutofit fontScale="92500" lnSpcReduction="20000"/>
+          </a:bodyPr>
+          <a:lstStyle/>
+          <a:p>
+            <a:pPr marL="228600" lvl="1">
+              <a:spcBef>
+                <a:spcPts val="1000"/>
+              </a:spcBef>
+            </a:pPr>
+            <a:r>
+              <a:rPr lang="en-CA" dirty="0" smtClean="0"/>
+              <a:t>Public string  </a:t>
+            </a:r>
+            <a:r>
+              <a:rPr lang="en-CA" dirty="0" err="1" smtClean="0"/>
+              <a:t>checkMove</a:t>
+            </a:r>
+            <a:r>
+              <a:rPr lang="en-CA" dirty="0" smtClean="0"/>
+              <a:t>(</a:t>
+            </a:r>
+            <a:r>
+              <a:rPr lang="en-CA" dirty="0" err="1" smtClean="0"/>
+              <a:t>int</a:t>
+            </a:r>
+            <a:r>
+              <a:rPr lang="en-CA" dirty="0" smtClean="0"/>
+              <a:t> </a:t>
+            </a:r>
+            <a:r>
+              <a:rPr lang="en-CA" dirty="0" err="1" smtClean="0"/>
+              <a:t>lvl</a:t>
+            </a:r>
+            <a:r>
+              <a:rPr lang="en-CA" dirty="0"/>
+              <a:t>, </a:t>
+            </a:r>
+            <a:r>
+              <a:rPr lang="en-CA" dirty="0" err="1"/>
+              <a:t>int</a:t>
+            </a:r>
+            <a:r>
+              <a:rPr lang="en-CA" dirty="0"/>
+              <a:t> row, </a:t>
+            </a:r>
+            <a:r>
+              <a:rPr lang="en-CA" dirty="0" err="1"/>
+              <a:t>int</a:t>
+            </a:r>
+            <a:r>
+              <a:rPr lang="en-CA" dirty="0"/>
+              <a:t> col</a:t>
+            </a:r>
+            <a:r>
+              <a:rPr lang="en-CA" dirty="0" smtClean="0"/>
+              <a:t>) {</a:t>
+            </a:r>
+          </a:p>
+          <a:p>
+            <a:pPr marL="685800" lvl="2">
+              <a:spcBef>
+                <a:spcPts val="1000"/>
+              </a:spcBef>
+            </a:pPr>
+            <a:r>
+              <a:rPr lang="en-CA" dirty="0" err="1" smtClean="0"/>
+              <a:t>Int</a:t>
+            </a:r>
+            <a:r>
+              <a:rPr lang="en-CA" dirty="0" smtClean="0"/>
+              <a:t> map = </a:t>
+            </a:r>
+            <a:r>
+              <a:rPr lang="en-CA" dirty="0" err="1"/>
+              <a:t>mapFromCoords</a:t>
+            </a:r>
+            <a:r>
+              <a:rPr lang="en-CA" dirty="0"/>
+              <a:t>(</a:t>
+            </a:r>
+            <a:r>
+              <a:rPr lang="en-CA" dirty="0" err="1"/>
+              <a:t>int</a:t>
+            </a:r>
+            <a:r>
+              <a:rPr lang="en-CA" dirty="0"/>
+              <a:t> </a:t>
+            </a:r>
+            <a:r>
+              <a:rPr lang="en-CA" dirty="0" err="1"/>
+              <a:t>lvl</a:t>
+            </a:r>
+            <a:r>
+              <a:rPr lang="en-CA" dirty="0"/>
+              <a:t>, </a:t>
+            </a:r>
+            <a:r>
+              <a:rPr lang="en-CA" dirty="0" err="1"/>
+              <a:t>int</a:t>
+            </a:r>
+            <a:r>
+              <a:rPr lang="en-CA" dirty="0"/>
+              <a:t> row, </a:t>
+            </a:r>
+            <a:r>
+              <a:rPr lang="en-CA" dirty="0" err="1"/>
+              <a:t>int</a:t>
+            </a:r>
+            <a:r>
+              <a:rPr lang="en-CA" dirty="0"/>
+              <a:t> col) </a:t>
+            </a:r>
+            <a:r>
+              <a:rPr lang="en-CA" dirty="0" smtClean="0"/>
+              <a:t>;</a:t>
+            </a:r>
+          </a:p>
+          <a:p>
+            <a:pPr marL="685800" lvl="2">
+              <a:spcBef>
+                <a:spcPts val="1000"/>
+              </a:spcBef>
+            </a:pPr>
+            <a:r>
+              <a:rPr lang="en-CA" dirty="0" smtClean="0"/>
+              <a:t>Return </a:t>
+            </a:r>
+            <a:r>
+              <a:rPr lang="en-CA" dirty="0" err="1" smtClean="0"/>
+              <a:t>gameBoard</a:t>
+            </a:r>
+            <a:r>
+              <a:rPr lang="en-CA" dirty="0" smtClean="0"/>
+              <a:t>[map];</a:t>
+            </a:r>
+          </a:p>
+          <a:p>
+            <a:pPr marL="228600" lvl="1">
+              <a:spcBef>
+                <a:spcPts val="1000"/>
+              </a:spcBef>
+            </a:pPr>
+            <a:r>
+              <a:rPr lang="en-CA" dirty="0" smtClean="0"/>
+              <a:t>}</a:t>
+            </a:r>
+          </a:p>
+          <a:p>
+            <a:pPr marL="228600" lvl="1">
+              <a:spcBef>
+                <a:spcPts val="1000"/>
+              </a:spcBef>
+            </a:pPr>
+            <a:r>
+              <a:rPr lang="en-CA" dirty="0" smtClean="0"/>
+              <a:t>Public </a:t>
+            </a:r>
+            <a:r>
+              <a:rPr lang="en-CA" dirty="0" err="1" smtClean="0"/>
+              <a:t>boolean</a:t>
+            </a:r>
+            <a:r>
+              <a:rPr lang="en-CA" dirty="0" smtClean="0"/>
+              <a:t> </a:t>
+            </a:r>
+            <a:r>
+              <a:rPr lang="en-CA" dirty="0" err="1"/>
+              <a:t>makeMove</a:t>
+            </a:r>
+            <a:r>
+              <a:rPr lang="en-CA" dirty="0"/>
+              <a:t>( </a:t>
+            </a:r>
+            <a:r>
+              <a:rPr lang="en-CA" dirty="0" smtClean="0"/>
+              <a:t>String </a:t>
+            </a:r>
+            <a:r>
+              <a:rPr lang="en-CA" dirty="0" err="1" smtClean="0"/>
+              <a:t>playerXO,int</a:t>
+            </a:r>
+            <a:r>
+              <a:rPr lang="en-CA" dirty="0" smtClean="0"/>
+              <a:t> </a:t>
+            </a:r>
+            <a:r>
+              <a:rPr lang="en-CA" dirty="0" err="1"/>
+              <a:t>lvl</a:t>
+            </a:r>
+            <a:r>
+              <a:rPr lang="en-CA" dirty="0"/>
+              <a:t>, </a:t>
+            </a:r>
+            <a:r>
+              <a:rPr lang="en-CA" dirty="0" err="1"/>
+              <a:t>int</a:t>
+            </a:r>
+            <a:r>
+              <a:rPr lang="en-CA" dirty="0"/>
+              <a:t> row, </a:t>
+            </a:r>
+            <a:r>
+              <a:rPr lang="en-CA" dirty="0" err="1"/>
+              <a:t>int</a:t>
+            </a:r>
+            <a:r>
+              <a:rPr lang="en-CA" dirty="0"/>
+              <a:t> col) </a:t>
+            </a:r>
+            <a:r>
+              <a:rPr lang="en-CA" dirty="0" smtClean="0"/>
+              <a:t>{</a:t>
+            </a:r>
+          </a:p>
+          <a:p>
+            <a:pPr marL="685800" lvl="2">
+              <a:spcBef>
+                <a:spcPts val="1000"/>
+              </a:spcBef>
+            </a:pPr>
+            <a:r>
+              <a:rPr lang="en-CA" dirty="0" smtClean="0"/>
+              <a:t>If (</a:t>
+            </a:r>
+            <a:r>
+              <a:rPr lang="en-CA" dirty="0" err="1"/>
+              <a:t>checkMove</a:t>
+            </a:r>
+            <a:r>
+              <a:rPr lang="en-CA" dirty="0"/>
+              <a:t>(</a:t>
+            </a:r>
+            <a:r>
+              <a:rPr lang="en-CA" dirty="0" err="1"/>
+              <a:t>int</a:t>
+            </a:r>
+            <a:r>
+              <a:rPr lang="en-CA" dirty="0"/>
+              <a:t> </a:t>
+            </a:r>
+            <a:r>
+              <a:rPr lang="en-CA" dirty="0" err="1"/>
+              <a:t>lvl</a:t>
+            </a:r>
+            <a:r>
+              <a:rPr lang="en-CA" dirty="0"/>
+              <a:t>, </a:t>
+            </a:r>
+            <a:r>
+              <a:rPr lang="en-CA" dirty="0" err="1"/>
+              <a:t>int</a:t>
+            </a:r>
+            <a:r>
+              <a:rPr lang="en-CA" dirty="0"/>
+              <a:t> row, </a:t>
+            </a:r>
+            <a:r>
+              <a:rPr lang="en-CA" dirty="0" err="1"/>
+              <a:t>int</a:t>
+            </a:r>
+            <a:r>
+              <a:rPr lang="en-CA" dirty="0"/>
+              <a:t> col) </a:t>
+            </a:r>
+            <a:r>
+              <a:rPr lang="en-CA" dirty="0" smtClean="0"/>
+              <a:t> != </a:t>
+            </a:r>
+            <a:r>
+              <a:rPr lang="en-CA" dirty="0" err="1" smtClean="0"/>
+              <a:t>playerFree</a:t>
+            </a:r>
+            <a:r>
+              <a:rPr lang="en-CA" dirty="0" smtClean="0"/>
+              <a:t>) {</a:t>
+            </a:r>
+          </a:p>
+          <a:p>
+            <a:pPr marL="1143000" lvl="3">
+              <a:spcBef>
+                <a:spcPts val="1000"/>
+              </a:spcBef>
+            </a:pPr>
+            <a:r>
+              <a:rPr lang="en-CA" dirty="0" smtClean="0"/>
+              <a:t>Return false;</a:t>
+            </a:r>
+          </a:p>
+          <a:p>
+            <a:pPr marL="685800" lvl="2">
+              <a:spcBef>
+                <a:spcPts val="1000"/>
+              </a:spcBef>
+            </a:pPr>
+            <a:r>
+              <a:rPr lang="en-CA" dirty="0" smtClean="0"/>
+              <a:t>}</a:t>
+            </a:r>
+          </a:p>
+          <a:p>
+            <a:pPr marL="685800" lvl="2">
+              <a:spcBef>
+                <a:spcPts val="1000"/>
+              </a:spcBef>
+            </a:pPr>
+            <a:r>
+              <a:rPr lang="en-CA" dirty="0" err="1"/>
+              <a:t>Int</a:t>
+            </a:r>
+            <a:r>
+              <a:rPr lang="en-CA" dirty="0"/>
+              <a:t> map = </a:t>
+            </a:r>
+            <a:r>
+              <a:rPr lang="en-CA" dirty="0" err="1"/>
+              <a:t>mapFromCoords</a:t>
+            </a:r>
+            <a:r>
+              <a:rPr lang="en-CA" dirty="0"/>
+              <a:t>(</a:t>
+            </a:r>
+            <a:r>
+              <a:rPr lang="en-CA" dirty="0" err="1"/>
+              <a:t>int</a:t>
+            </a:r>
+            <a:r>
+              <a:rPr lang="en-CA" dirty="0"/>
+              <a:t> </a:t>
+            </a:r>
+            <a:r>
+              <a:rPr lang="en-CA" dirty="0" err="1"/>
+              <a:t>lvl</a:t>
+            </a:r>
+            <a:r>
+              <a:rPr lang="en-CA" dirty="0"/>
+              <a:t>, </a:t>
+            </a:r>
+            <a:r>
+              <a:rPr lang="en-CA" dirty="0" err="1"/>
+              <a:t>int</a:t>
+            </a:r>
+            <a:r>
+              <a:rPr lang="en-CA" dirty="0"/>
+              <a:t> row, </a:t>
+            </a:r>
+            <a:r>
+              <a:rPr lang="en-CA" dirty="0" err="1"/>
+              <a:t>int</a:t>
+            </a:r>
+            <a:r>
+              <a:rPr lang="en-CA" dirty="0"/>
+              <a:t> col</a:t>
+            </a:r>
+            <a:r>
+              <a:rPr lang="en-CA" dirty="0" smtClean="0"/>
+              <a:t>);</a:t>
+            </a:r>
+          </a:p>
+          <a:p>
+            <a:pPr marL="685800" lvl="2">
+              <a:spcBef>
+                <a:spcPts val="1000"/>
+              </a:spcBef>
+            </a:pPr>
+            <a:r>
+              <a:rPr lang="en-CA" dirty="0" err="1" smtClean="0"/>
+              <a:t>gameBoard</a:t>
+            </a:r>
+            <a:r>
+              <a:rPr lang="en-CA" dirty="0" smtClean="0"/>
+              <a:t>[map] = </a:t>
+            </a:r>
+            <a:r>
+              <a:rPr lang="en-CA" dirty="0" err="1" smtClean="0"/>
+              <a:t>playerXO</a:t>
+            </a:r>
+            <a:r>
+              <a:rPr lang="en-CA" dirty="0" smtClean="0"/>
+              <a:t>;</a:t>
+            </a:r>
+          </a:p>
+          <a:p>
+            <a:pPr marL="685800" lvl="2">
+              <a:spcBef>
+                <a:spcPts val="1000"/>
+              </a:spcBef>
+            </a:pPr>
+            <a:r>
+              <a:rPr lang="en-CA" smtClean="0"/>
+              <a:t>Return true;</a:t>
+            </a:r>
+            <a:endParaRPr lang="en-CA" dirty="0" smtClean="0"/>
+          </a:p>
+          <a:p>
+            <a:pPr marL="228600" lvl="1">
+              <a:spcBef>
+                <a:spcPts val="1000"/>
+              </a:spcBef>
+            </a:pPr>
+            <a:r>
+              <a:rPr lang="en-CA" dirty="0"/>
+              <a:t>}</a:t>
+            </a:r>
+          </a:p>
+          <a:p>
+            <a:endParaRPr lang="en-US" dirty="0"/>
+          </a:p>
+        </p:txBody>
+      </p:sp>
+    </p:spTree>
+    <p:extLst>
+      <p:ext uri="{BB962C8B-B14F-4D97-AF65-F5344CB8AC3E}">
+        <p14:creationId xmlns:p14="http://schemas.microsoft.com/office/powerpoint/2010/main" val="3900205760"/>
       </p:ext>
     </p:extLst>
   </p:cSld>
